--- a/SpeX_5um_flow.pptx
+++ b/SpeX_5um_flow.pptx
@@ -108,6 +108,11 @@
       </a:defRPr>
     </a:lvl9pPr>
   </p:defaultTextStyle>
+  <p:extLst>
+    <p:ext uri="{EFAFB233-063F-42B5-8137-9DF3F51BA10A}">
+      <p15:sldGuideLst xmlns:p15="http://schemas.microsoft.com/office/powerpoint/2012/main"/>
+    </p:ext>
+  </p:extLst>
 </p:presentation>
 </file>
 
@@ -258,7 +263,7 @@
           <a:p>
             <a:fld id="{07051259-9F1B-4930-8FF2-8F3F2505095E}" type="datetimeFigureOut">
               <a:rPr kumimoji="1" lang="ja-JP" altLang="en-US" smtClean="0"/>
-              <a:t>2022/12/7</a:t>
+              <a:t>2022/12/8</a:t>
             </a:fld>
             <a:endParaRPr kumimoji="1" lang="ja-JP" altLang="en-US"/>
           </a:p>
@@ -488,7 +493,7 @@
           <a:p>
             <a:fld id="{07051259-9F1B-4930-8FF2-8F3F2505095E}" type="datetimeFigureOut">
               <a:rPr kumimoji="1" lang="ja-JP" altLang="en-US" smtClean="0"/>
-              <a:t>2022/12/7</a:t>
+              <a:t>2022/12/8</a:t>
             </a:fld>
             <a:endParaRPr kumimoji="1" lang="ja-JP" altLang="en-US"/>
           </a:p>
@@ -728,7 +733,7 @@
           <a:p>
             <a:fld id="{07051259-9F1B-4930-8FF2-8F3F2505095E}" type="datetimeFigureOut">
               <a:rPr kumimoji="1" lang="ja-JP" altLang="en-US" smtClean="0"/>
-              <a:t>2022/12/7</a:t>
+              <a:t>2022/12/8</a:t>
             </a:fld>
             <a:endParaRPr kumimoji="1" lang="ja-JP" altLang="en-US"/>
           </a:p>
@@ -958,7 +963,7 @@
           <a:p>
             <a:fld id="{07051259-9F1B-4930-8FF2-8F3F2505095E}" type="datetimeFigureOut">
               <a:rPr kumimoji="1" lang="ja-JP" altLang="en-US" smtClean="0"/>
-              <a:t>2022/12/7</a:t>
+              <a:t>2022/12/8</a:t>
             </a:fld>
             <a:endParaRPr kumimoji="1" lang="ja-JP" altLang="en-US"/>
           </a:p>
@@ -1233,7 +1238,7 @@
           <a:p>
             <a:fld id="{07051259-9F1B-4930-8FF2-8F3F2505095E}" type="datetimeFigureOut">
               <a:rPr kumimoji="1" lang="ja-JP" altLang="en-US" smtClean="0"/>
-              <a:t>2022/12/7</a:t>
+              <a:t>2022/12/8</a:t>
             </a:fld>
             <a:endParaRPr kumimoji="1" lang="ja-JP" altLang="en-US"/>
           </a:p>
@@ -1562,7 +1567,7 @@
           <a:p>
             <a:fld id="{07051259-9F1B-4930-8FF2-8F3F2505095E}" type="datetimeFigureOut">
               <a:rPr kumimoji="1" lang="ja-JP" altLang="en-US" smtClean="0"/>
-              <a:t>2022/12/7</a:t>
+              <a:t>2022/12/8</a:t>
             </a:fld>
             <a:endParaRPr kumimoji="1" lang="ja-JP" altLang="en-US"/>
           </a:p>
@@ -2038,7 +2043,7 @@
           <a:p>
             <a:fld id="{07051259-9F1B-4930-8FF2-8F3F2505095E}" type="datetimeFigureOut">
               <a:rPr kumimoji="1" lang="ja-JP" altLang="en-US" smtClean="0"/>
-              <a:t>2022/12/7</a:t>
+              <a:t>2022/12/8</a:t>
             </a:fld>
             <a:endParaRPr kumimoji="1" lang="ja-JP" altLang="en-US"/>
           </a:p>
@@ -2179,7 +2184,7 @@
           <a:p>
             <a:fld id="{07051259-9F1B-4930-8FF2-8F3F2505095E}" type="datetimeFigureOut">
               <a:rPr kumimoji="1" lang="ja-JP" altLang="en-US" smtClean="0"/>
-              <a:t>2022/12/7</a:t>
+              <a:t>2022/12/8</a:t>
             </a:fld>
             <a:endParaRPr kumimoji="1" lang="ja-JP" altLang="en-US"/>
           </a:p>
@@ -2292,7 +2297,7 @@
           <a:p>
             <a:fld id="{07051259-9F1B-4930-8FF2-8F3F2505095E}" type="datetimeFigureOut">
               <a:rPr kumimoji="1" lang="ja-JP" altLang="en-US" smtClean="0"/>
-              <a:t>2022/12/7</a:t>
+              <a:t>2022/12/8</a:t>
             </a:fld>
             <a:endParaRPr kumimoji="1" lang="ja-JP" altLang="en-US"/>
           </a:p>
@@ -2635,7 +2640,7 @@
           <a:p>
             <a:fld id="{07051259-9F1B-4930-8FF2-8F3F2505095E}" type="datetimeFigureOut">
               <a:rPr kumimoji="1" lang="ja-JP" altLang="en-US" smtClean="0"/>
-              <a:t>2022/12/7</a:t>
+              <a:t>2022/12/8</a:t>
             </a:fld>
             <a:endParaRPr kumimoji="1" lang="ja-JP" altLang="en-US"/>
           </a:p>
@@ -2923,7 +2928,7 @@
           <a:p>
             <a:fld id="{07051259-9F1B-4930-8FF2-8F3F2505095E}" type="datetimeFigureOut">
               <a:rPr kumimoji="1" lang="ja-JP" altLang="en-US" smtClean="0"/>
-              <a:t>2022/12/7</a:t>
+              <a:t>2022/12/8</a:t>
             </a:fld>
             <a:endParaRPr kumimoji="1" lang="ja-JP" altLang="en-US"/>
           </a:p>
@@ -3196,7 +3201,7 @@
           <a:p>
             <a:fld id="{07051259-9F1B-4930-8FF2-8F3F2505095E}" type="datetimeFigureOut">
               <a:rPr kumimoji="1" lang="ja-JP" altLang="en-US" smtClean="0"/>
-              <a:t>2022/12/7</a:t>
+              <a:t>2022/12/8</a:t>
             </a:fld>
             <a:endParaRPr kumimoji="1" lang="ja-JP" altLang="en-US"/>
           </a:p>
@@ -4740,8 +4745,8 @@
         </p:nvSpPr>
         <p:spPr>
           <a:xfrm>
-            <a:off x="3359179" y="1561338"/>
-            <a:ext cx="1186543" cy="646331"/>
+            <a:off x="3326993" y="990285"/>
+            <a:ext cx="1359775" cy="1200329"/>
           </a:xfrm>
           <a:prstGeom prst="rect">
             <a:avLst/>
@@ -4757,7 +4762,7 @@
             <a:pPr algn="ctr"/>
             <a:r>
               <a:rPr kumimoji="1" lang="en-US" altLang="ja-JP" dirty="0"/>
-              <a:t>Shifting to center</a:t>
+              <a:t>Shifting to match the template position</a:t>
             </a:r>
             <a:endParaRPr kumimoji="1" lang="ja-JP" altLang="en-US" dirty="0"/>
           </a:p>
@@ -4915,7 +4920,7 @@
         <p:spPr>
           <a:xfrm>
             <a:off x="5817133" y="4539169"/>
-            <a:ext cx="6283620" cy="923330"/>
+            <a:ext cx="6283620" cy="1200329"/>
           </a:xfrm>
           <a:prstGeom prst="rect">
             <a:avLst/>
@@ -4934,10 +4939,8 @@
             </a:r>
             <a:r>
               <a:rPr lang="en-US" altLang="ja-JP" dirty="0"/>
-              <a:t>e position of Venus</a:t>
-            </a:r>
-          </a:p>
-          <a:p>
+              <a:t>e position of Venus in each frame </a:t>
+            </a:r>
             <a:r>
               <a:rPr kumimoji="1" lang="en-US" altLang="ja-JP" dirty="0"/>
               <a:t>by finding the maximum peak position </a:t>
@@ -5396,7 +5399,7 @@
           </a:stretch>
         </p:blipFill>
         <p:spPr>
-          <a:xfrm flipV="1">
+          <a:xfrm>
             <a:off x="7071546" y="2347796"/>
             <a:ext cx="4042730" cy="4042730"/>
           </a:xfrm>
@@ -5722,7 +5725,7 @@
           </a:stretch>
         </p:blipFill>
         <p:spPr>
-          <a:xfrm flipV="1">
+          <a:xfrm>
             <a:off x="6311902" y="1143000"/>
             <a:ext cx="4572000" cy="4572000"/>
           </a:xfrm>
@@ -5752,7 +5755,7 @@
           </a:stretch>
         </p:blipFill>
         <p:spPr>
-          <a:xfrm flipV="1">
+          <a:xfrm>
             <a:off x="1308100" y="1143000"/>
             <a:ext cx="4572000" cy="4572000"/>
           </a:xfrm>

--- a/SpeX_5um_flow.pptx
+++ b/SpeX_5um_flow.pptx
@@ -5399,7 +5399,7 @@
           </a:stretch>
         </p:blipFill>
         <p:spPr>
-          <a:xfrm>
+          <a:xfrm flipV="1">
             <a:off x="7071546" y="2347796"/>
             <a:ext cx="4042730" cy="4042730"/>
           </a:xfrm>
@@ -5725,7 +5725,7 @@
           </a:stretch>
         </p:blipFill>
         <p:spPr>
-          <a:xfrm>
+          <a:xfrm flipV="1">
             <a:off x="6311902" y="1143000"/>
             <a:ext cx="4572000" cy="4572000"/>
           </a:xfrm>
@@ -5755,7 +5755,7 @@
           </a:stretch>
         </p:blipFill>
         <p:spPr>
-          <a:xfrm>
+          <a:xfrm flipV="1">
             <a:off x="1308100" y="1143000"/>
             <a:ext cx="4572000" cy="4572000"/>
           </a:xfrm>
